--- a/Memory-Based Cluster Sampling for Remote Sensing Image Classification.pptx
+++ b/Memory-Based Cluster Sampling for Remote Sensing Image Classification.pptx
@@ -114,6 +114,11 @@
       </a:defRPr>
     </a:lvl9pPr>
   </p:defaultTextStyle>
+  <p:extLst>
+    <p:ext uri="{EFAFB233-063F-42B5-8137-9DF3F51BA10A}">
+      <p15:sldGuideLst xmlns:p15="http://schemas.microsoft.com/office/powerpoint/2012/main"/>
+    </p:ext>
+  </p:extLst>
 </p:presentation>
 </file>
 
@@ -391,7 +396,7 @@
           <a:p>
             <a:fld id="{6180E9E6-EDDC-4A0F-8A78-2BE35FBA40B0}" type="datetimeFigureOut">
               <a:rPr lang="en-US" smtClean="0"/>
-              <a:t>9, March, 2022</a:t>
+              <a:t>10, March, 2022</a:t>
             </a:fld>
             <a:endParaRPr lang="en-US"/>
           </a:p>
@@ -805,7 +810,7 @@
           <a:p>
             <a:fld id="{6180E9E6-EDDC-4A0F-8A78-2BE35FBA40B0}" type="datetimeFigureOut">
               <a:rPr lang="en-US" smtClean="0"/>
-              <a:t>9, March, 2022</a:t>
+              <a:t>10, March, 2022</a:t>
             </a:fld>
             <a:endParaRPr lang="en-US"/>
           </a:p>
@@ -1141,7 +1146,7 @@
           <a:p>
             <a:fld id="{6180E9E6-EDDC-4A0F-8A78-2BE35FBA40B0}" type="datetimeFigureOut">
               <a:rPr lang="en-US" smtClean="0"/>
-              <a:t>9, March, 2022</a:t>
+              <a:t>10, March, 2022</a:t>
             </a:fld>
             <a:endParaRPr lang="en-US"/>
           </a:p>
@@ -1546,7 +1551,7 @@
           <a:p>
             <a:fld id="{6180E9E6-EDDC-4A0F-8A78-2BE35FBA40B0}" type="datetimeFigureOut">
               <a:rPr lang="en-US" smtClean="0"/>
-              <a:t>9, March, 2022</a:t>
+              <a:t>10, March, 2022</a:t>
             </a:fld>
             <a:endParaRPr lang="en-US"/>
           </a:p>
@@ -2114,7 +2119,7 @@
           <a:p>
             <a:fld id="{6180E9E6-EDDC-4A0F-8A78-2BE35FBA40B0}" type="datetimeFigureOut">
               <a:rPr lang="en-US" smtClean="0"/>
-              <a:t>9, March, 2022</a:t>
+              <a:t>10, March, 2022</a:t>
             </a:fld>
             <a:endParaRPr lang="en-US"/>
           </a:p>
@@ -2795,7 +2800,7 @@
           <a:p>
             <a:fld id="{6180E9E6-EDDC-4A0F-8A78-2BE35FBA40B0}" type="datetimeFigureOut">
               <a:rPr lang="en-US" smtClean="0"/>
-              <a:t>9, March, 2022</a:t>
+              <a:t>10, March, 2022</a:t>
             </a:fld>
             <a:endParaRPr lang="en-US"/>
           </a:p>
@@ -3708,7 +3713,7 @@
           <a:p>
             <a:fld id="{6180E9E6-EDDC-4A0F-8A78-2BE35FBA40B0}" type="datetimeFigureOut">
               <a:rPr lang="en-US" smtClean="0"/>
-              <a:t>9, March, 2022</a:t>
+              <a:t>10, March, 2022</a:t>
             </a:fld>
             <a:endParaRPr lang="en-US"/>
           </a:p>
@@ -4021,7 +4026,7 @@
           <a:p>
             <a:fld id="{6180E9E6-EDDC-4A0F-8A78-2BE35FBA40B0}" type="datetimeFigureOut">
               <a:rPr lang="en-US" smtClean="0"/>
-              <a:t>9, March, 2022</a:t>
+              <a:t>10, March, 2022</a:t>
             </a:fld>
             <a:endParaRPr lang="en-US"/>
           </a:p>
@@ -4285,7 +4290,7 @@
           <a:p>
             <a:fld id="{6180E9E6-EDDC-4A0F-8A78-2BE35FBA40B0}" type="datetimeFigureOut">
               <a:rPr lang="en-US" smtClean="0"/>
-              <a:t>9, March, 2022</a:t>
+              <a:t>10, March, 2022</a:t>
             </a:fld>
             <a:endParaRPr lang="en-US"/>
           </a:p>
@@ -4608,7 +4613,7 @@
           <a:p>
             <a:fld id="{6180E9E6-EDDC-4A0F-8A78-2BE35FBA40B0}" type="datetimeFigureOut">
               <a:rPr lang="en-US" smtClean="0"/>
-              <a:t>9, March, 2022</a:t>
+              <a:t>10, March, 2022</a:t>
             </a:fld>
             <a:endParaRPr lang="en-US"/>
           </a:p>
@@ -4997,7 +5002,7 @@
           <a:p>
             <a:fld id="{6180E9E6-EDDC-4A0F-8A78-2BE35FBA40B0}" type="datetimeFigureOut">
               <a:rPr lang="en-US" smtClean="0"/>
-              <a:t>9, March, 2022</a:t>
+              <a:t>10, March, 2022</a:t>
             </a:fld>
             <a:endParaRPr lang="en-US"/>
           </a:p>
@@ -5373,7 +5378,7 @@
           <a:p>
             <a:fld id="{6180E9E6-EDDC-4A0F-8A78-2BE35FBA40B0}" type="datetimeFigureOut">
               <a:rPr lang="en-US" smtClean="0"/>
-              <a:t>9, March, 2022</a:t>
+              <a:t>10, March, 2022</a:t>
             </a:fld>
             <a:endParaRPr lang="en-US"/>
           </a:p>
@@ -5879,7 +5884,7 @@
           <a:p>
             <a:fld id="{6180E9E6-EDDC-4A0F-8A78-2BE35FBA40B0}" type="datetimeFigureOut">
               <a:rPr lang="en-US" smtClean="0"/>
-              <a:t>9, March, 2022</a:t>
+              <a:t>10, March, 2022</a:t>
             </a:fld>
             <a:endParaRPr lang="en-US"/>
           </a:p>
@@ -6136,7 +6141,7 @@
           <a:p>
             <a:fld id="{6180E9E6-EDDC-4A0F-8A78-2BE35FBA40B0}" type="datetimeFigureOut">
               <a:rPr lang="en-US" smtClean="0"/>
-              <a:t>9, March, 2022</a:t>
+              <a:t>10, March, 2022</a:t>
             </a:fld>
             <a:endParaRPr lang="en-US"/>
           </a:p>
@@ -6299,7 +6304,7 @@
           <a:p>
             <a:fld id="{6180E9E6-EDDC-4A0F-8A78-2BE35FBA40B0}" type="datetimeFigureOut">
               <a:rPr lang="en-US" smtClean="0"/>
-              <a:t>9, March, 2022</a:t>
+              <a:t>10, March, 2022</a:t>
             </a:fld>
             <a:endParaRPr lang="en-US"/>
           </a:p>
@@ -6689,7 +6694,7 @@
           <a:p>
             <a:fld id="{6180E9E6-EDDC-4A0F-8A78-2BE35FBA40B0}" type="datetimeFigureOut">
               <a:rPr lang="en-US" smtClean="0"/>
-              <a:t>9, March, 2022</a:t>
+              <a:t>10, March, 2022</a:t>
             </a:fld>
             <a:endParaRPr lang="en-US"/>
           </a:p>
@@ -7098,7 +7103,7 @@
           <a:p>
             <a:fld id="{6180E9E6-EDDC-4A0F-8A78-2BE35FBA40B0}" type="datetimeFigureOut">
               <a:rPr lang="en-US" smtClean="0"/>
-              <a:t>9, March, 2022</a:t>
+              <a:t>10, March, 2022</a:t>
             </a:fld>
             <a:endParaRPr lang="en-US"/>
           </a:p>
@@ -7342,7 +7347,7 @@
           <a:p>
             <a:fld id="{6180E9E6-EDDC-4A0F-8A78-2BE35FBA40B0}" type="datetimeFigureOut">
               <a:rPr lang="en-US" smtClean="0"/>
-              <a:t>9, March, 2022</a:t>
+              <a:t>10, March, 2022</a:t>
             </a:fld>
             <a:endParaRPr lang="en-US"/>
           </a:p>
@@ -8551,7 +8556,7 @@
             </a:r>
             <a:r>
               <a:rPr lang="en-US" sz="1400" dirty="0"/>
-              <a:t>-s, hCS-i1 and hCS-i3 are the approaches that show the faster decrease (in 5 and 6 iterations). After iterations 12-13 standard deviation values are stable, and the hCS-i1 demonstrates its good performance by providing, together to the hCS-i3, the most stable solutions for most of the iterations. The q = 40 standard deviation curves (Fig.4(e)) show that the hCS-i1 provides again the most stable solution. This is the only method providing a standard deviation similar to the one observable with the smaller batch (q = 20).</a:t>
+              <a:t>-s, hCS-i1 and hCS-i3 are the approaches that show the faster decrease (in 5 and 6 iterations). After iterations 12-13 standard deviation values are stable, and the hCS-i1 demonstrates its good performance by providing, together to the hCS-i3, the most stable solutions for most of the iterations. The q = 40 standard deviation curves (Fig.4(e)) show that the hCS-i1 provides again the most stable solution. This is the only method providing a standard deviation like the one observable with the smaller batch (q = 20).</a:t>
             </a:r>
           </a:p>
           <a:p>
@@ -9650,7 +9655,7 @@
                 </a:pPr>
                 <a:r>
                   <a:rPr lang="en-US" dirty="0"/>
-                  <a:t>In (a) the MS approach [35] shows potential high proximity redundancy when sampling a batch 3 of points, avoiding sampling from a large zone in the margin (dashed ellipse) and in (b) the baseline of proposed approach that aims at removing any kind of redundancy among patterns.</a:t>
+                  <a:t>In (a) the MS approach shows potential high proximity redundancy when sampling a batch 3 of points, avoiding sampling from a large zone in the margin (dashed ellipse) and in (b) the baseline of proposed approach that aims at removing any kind of redundancy among patterns.</a:t>
                 </a:r>
               </a:p>
             </p:txBody>
@@ -9761,8 +9766,8 @@
           <a:chExt cx="0" cy="0"/>
         </a:xfrm>
       </p:grpSpPr>
-      <mc:AlternateContent xmlns:mc="http://schemas.openxmlformats.org/markup-compatibility/2006">
-        <mc:Choice xmlns:a14="http://schemas.microsoft.com/office/drawing/2010/main" Requires="a14">
+      <mc:AlternateContent xmlns:mc="http://schemas.openxmlformats.org/markup-compatibility/2006" xmlns:a14="http://schemas.microsoft.com/office/drawing/2010/main">
+        <mc:Choice Requires="a14">
           <p:sp>
             <p:nvSpPr>
               <p:cNvPr id="2" name="TextBox 1">
@@ -10012,7 +10017,7 @@
                     <m:sSup>
                       <m:sSupPr>
                         <m:ctrlPr>
-                          <a:rPr lang="en-US" dirty="0" smtClean="0">
+                          <a:rPr lang="en-US" i="1" dirty="0" smtClean="0">
                             <a:solidFill>
                               <a:srgbClr val="836967"/>
                             </a:solidFill>
@@ -10025,7 +10030,7 @@
                           <m:accPr>
                             <m:chr m:val="̂"/>
                             <m:ctrlPr>
-                              <a:rPr lang="en-US" dirty="0">
+                              <a:rPr lang="en-US" i="1" dirty="0">
                                 <a:solidFill>
                                   <a:srgbClr val="836967"/>
                                 </a:solidFill>
@@ -10357,7 +10362,7 @@
             </p:txBody>
           </p:sp>
         </mc:Choice>
-        <mc:Fallback>
+        <mc:Fallback xmlns="">
           <p:sp>
             <p:nvSpPr>
               <p:cNvPr id="2" name="TextBox 1">
@@ -10631,7 +10636,7 @@
             </a:pPr>
             <a:r>
               <a:rPr lang="en-US" sz="1600" dirty="0"/>
-              <a:t>For all the experiments, the comprehensive labeled set has been divided in two parts: the first part defines the sets X and U, while the second (the test set) has been used for validation purposes and it is the same for all the experiments on a same image. The starting training set X</a:t>
+              <a:t>For all the experiments, the comprehensive labeled set has been divided in two parts: the first part defines the sets X and U, while the second (the test set) has been used for validation purposes and it is the same for all the experiments on the same image. The starting training set X</a:t>
             </a:r>
             <a:r>
               <a:rPr lang="en-US" sz="1600" baseline="30000" dirty="0"/>
@@ -11217,21 +11222,29 @@
           <a:lstStyle/>
           <a:p>
             <a:r>
-              <a:rPr lang="en-US" sz="1700" b="1"/>
+              <a:rPr lang="en-US" sz="1700" b="1" dirty="0"/>
               <a:t>Zurich dataset: VHR imagery:</a:t>
             </a:r>
           </a:p>
           <a:p>
             <a:pPr lvl="1"/>
             <a:r>
-              <a:rPr lang="en-US" sz="1700"/>
-              <a:t>Learning curves for the ZH dataset: (a) the proposed approaches sampling 10 samples per iteration and in (b) theirstandard deviation. In (c) the best approach against state-of-the-art AL algorithms. In (d), (e) and (f) the same plots sampling30 pixels per iteration.</a:t>
+              <a:rPr lang="en-US" sz="1700" dirty="0"/>
+              <a:t>Learning curves for the ZH dataset: (a) the proposed approaches sampling 10 samples per iteration and in (b) </a:t>
+            </a:r>
+            <a:r>
+              <a:rPr lang="en-US" sz="1700" dirty="0" err="1"/>
+              <a:t>theirstandard</a:t>
+            </a:r>
+            <a:r>
+              <a:rPr lang="en-US" sz="1700" dirty="0"/>
+              <a:t> deviation. In (c) the best approach against state-of-the-art AL algorithms. In (d), (e) and (f) the same plots sampling 30 pixels per iteration.</a:t>
             </a:r>
           </a:p>
           <a:p>
             <a:pPr lvl="1"/>
             <a:r>
-              <a:rPr lang="en-US" sz="1700"/>
+              <a:rPr lang="en-US" sz="1700" dirty="0"/>
               <a:t>Table 1 summarizes skills scores for the experiments when the training set is composed by 145 and 205 samples. For the first case and when sampling small batches (left column, q = 10), the memory of already sampled pixels can greatly improve the generalization ability of the classifier.</a:t>
             </a:r>
           </a:p>
